--- a/BooksProject.pptx
+++ b/BooksProject.pptx
@@ -5,10 +5,10 @@
     <p:sldMasterId id="2147483720" r:id="rId4"/>
   </p:sldMasterIdLst>
   <p:notesMasterIdLst>
-    <p:notesMasterId r:id="rId34"/>
+    <p:notesMasterId r:id="rId35"/>
   </p:notesMasterIdLst>
   <p:handoutMasterIdLst>
-    <p:handoutMasterId r:id="rId35"/>
+    <p:handoutMasterId r:id="rId36"/>
   </p:handoutMasterIdLst>
   <p:sldIdLst>
     <p:sldId id="281" r:id="rId5"/>
@@ -40,6 +40,7 @@
     <p:sldId id="383" r:id="rId31"/>
     <p:sldId id="385" r:id="rId32"/>
     <p:sldId id="384" r:id="rId33"/>
+    <p:sldId id="386" r:id="rId34"/>
   </p:sldIdLst>
   <p:sldSz cx="12192000" cy="6858000"/>
   <p:notesSz cx="6858000" cy="9144000"/>
@@ -293,7 +294,7 @@
             <a:pPr rtl="0"/>
             <a:fld id="{00F003DB-7B2B-4CB0-9AE3-FF3A4D289880}" type="datetime1">
               <a:rPr lang="fr-FR" smtClean="0"/>
-              <a:t>09/07/2021</a:t>
+              <a:t>10/07/2021</a:t>
             </a:fld>
             <a:endParaRPr lang="fr-FR" dirty="0"/>
           </a:p>
@@ -475,7 +476,7 @@
             <a:fld id="{9D1544E0-8A55-4B60-9503-EB1D794761A2}" type="datetime1">
               <a:rPr lang="fr-FR" smtClean="0"/>
               <a:pPr/>
-              <a:t>09/07/2021</a:t>
+              <a:t>10/07/2021</a:t>
             </a:fld>
             <a:endParaRPr lang="fr-FR" dirty="0"/>
           </a:p>
@@ -903,43 +904,7 @@
                 <a:ea typeface="Calibri" panose="020F0502020204030204" pitchFamily="34" charset="0"/>
                 <a:cs typeface="Times New Roman" panose="02020603050405020304" pitchFamily="18" charset="0"/>
               </a:rPr>
-              <a:t>Google books : limitation on </a:t>
-            </a:r>
-            <a:r>
-              <a:rPr lang="en-GB" sz="1800" dirty="0" err="1">
-                <a:effectLst/>
-                <a:latin typeface="Calibri" panose="020F0502020204030204" pitchFamily="34" charset="0"/>
-                <a:ea typeface="Calibri" panose="020F0502020204030204" pitchFamily="34" charset="0"/>
-                <a:cs typeface="Times New Roman" panose="02020603050405020304" pitchFamily="18" charset="0"/>
-              </a:rPr>
-              <a:t>performedrequests</a:t>
-            </a:r>
-            <a:r>
-              <a:rPr lang="en-GB" sz="1800" dirty="0">
-                <a:effectLst/>
-                <a:latin typeface="Calibri" panose="020F0502020204030204" pitchFamily="34" charset="0"/>
-                <a:ea typeface="Calibri" panose="020F0502020204030204" pitchFamily="34" charset="0"/>
-                <a:cs typeface="Times New Roman" panose="02020603050405020304" pitchFamily="18" charset="0"/>
-              </a:rPr>
-              <a:t>’ </a:t>
-            </a:r>
-            <a:r>
-              <a:rPr lang="en-GB" sz="1800" dirty="0" err="1">
-                <a:effectLst/>
-                <a:latin typeface="Calibri" panose="020F0502020204030204" pitchFamily="34" charset="0"/>
-                <a:ea typeface="Calibri" panose="020F0502020204030204" pitchFamily="34" charset="0"/>
-                <a:cs typeface="Times New Roman" panose="02020603050405020304" pitchFamily="18" charset="0"/>
-              </a:rPr>
-              <a:t>nb</a:t>
-            </a:r>
-            <a:r>
-              <a:rPr lang="en-GB" sz="1800" dirty="0">
-                <a:effectLst/>
-                <a:latin typeface="Calibri" panose="020F0502020204030204" pitchFamily="34" charset="0"/>
-                <a:ea typeface="Calibri" panose="020F0502020204030204" pitchFamily="34" charset="0"/>
-                <a:cs typeface="Times New Roman" panose="02020603050405020304" pitchFamily="18" charset="0"/>
-              </a:rPr>
-              <a:t> : not too many requests had to be made in a short time. </a:t>
+              <a:t>Google books : limitation on performed requests’ nb : not too many requests had to be made in a short time. </a:t>
             </a:r>
           </a:p>
           <a:p>
@@ -1130,66 +1095,6 @@
               <a:buFont typeface="Symbol" panose="05050102010706020507" pitchFamily="18" charset="2"/>
               <a:buNone/>
             </a:pPr>
-            <a:r>
-              <a:rPr lang="en-GB" sz="1800" dirty="0">
-                <a:effectLst/>
-                <a:latin typeface="Calibri" panose="020F0502020204030204" pitchFamily="34" charset="0"/>
-                <a:ea typeface="Calibri" panose="020F0502020204030204" pitchFamily="34" charset="0"/>
-                <a:cs typeface="Times New Roman" panose="02020603050405020304" pitchFamily="18" charset="0"/>
-              </a:rPr>
-              <a:t>Google books : limitation on </a:t>
-            </a:r>
-            <a:r>
-              <a:rPr lang="en-GB" sz="1800" dirty="0" err="1">
-                <a:effectLst/>
-                <a:latin typeface="Calibri" panose="020F0502020204030204" pitchFamily="34" charset="0"/>
-                <a:ea typeface="Calibri" panose="020F0502020204030204" pitchFamily="34" charset="0"/>
-                <a:cs typeface="Times New Roman" panose="02020603050405020304" pitchFamily="18" charset="0"/>
-              </a:rPr>
-              <a:t>performedrequests</a:t>
-            </a:r>
-            <a:r>
-              <a:rPr lang="en-GB" sz="1800" dirty="0">
-                <a:effectLst/>
-                <a:latin typeface="Calibri" panose="020F0502020204030204" pitchFamily="34" charset="0"/>
-                <a:ea typeface="Calibri" panose="020F0502020204030204" pitchFamily="34" charset="0"/>
-                <a:cs typeface="Times New Roman" panose="02020603050405020304" pitchFamily="18" charset="0"/>
-              </a:rPr>
-              <a:t>’ </a:t>
-            </a:r>
-            <a:r>
-              <a:rPr lang="en-GB" sz="1800" dirty="0" err="1">
-                <a:effectLst/>
-                <a:latin typeface="Calibri" panose="020F0502020204030204" pitchFamily="34" charset="0"/>
-                <a:ea typeface="Calibri" panose="020F0502020204030204" pitchFamily="34" charset="0"/>
-                <a:cs typeface="Times New Roman" panose="02020603050405020304" pitchFamily="18" charset="0"/>
-              </a:rPr>
-              <a:t>nb</a:t>
-            </a:r>
-            <a:r>
-              <a:rPr lang="en-GB" sz="1800" dirty="0">
-                <a:effectLst/>
-                <a:latin typeface="Calibri" panose="020F0502020204030204" pitchFamily="34" charset="0"/>
-                <a:ea typeface="Calibri" panose="020F0502020204030204" pitchFamily="34" charset="0"/>
-                <a:cs typeface="Times New Roman" panose="02020603050405020304" pitchFamily="18" charset="0"/>
-              </a:rPr>
-              <a:t> : not too many requests had to be made in a short time. </a:t>
-            </a:r>
-          </a:p>
-          <a:p>
-            <a:pPr marL="0" indent="0">
-              <a:buFont typeface="Symbol" panose="05050102010706020507" pitchFamily="18" charset="2"/>
-              <a:buNone/>
-            </a:pPr>
-            <a:r>
-              <a:rPr lang="en-GB" sz="1800" dirty="0">
-                <a:effectLst/>
-                <a:latin typeface="Calibri" panose="020F0502020204030204" pitchFamily="34" charset="0"/>
-                <a:ea typeface="Calibri" panose="020F0502020204030204" pitchFamily="34" charset="0"/>
-                <a:cs typeface="Times New Roman" panose="02020603050405020304" pitchFamily="18" charset="0"/>
-              </a:rPr>
-              <a:t>=&gt; Then it would have disabled our PCs for too long time.</a:t>
-            </a:r>
             <a:endParaRPr lang="en-GB" dirty="0"/>
           </a:p>
         </p:txBody>
@@ -1493,7 +1398,7 @@
                 <a:ea typeface="Calibri" panose="020F0502020204030204" pitchFamily="34" charset="0"/>
                 <a:cs typeface="Times New Roman" panose="02020603050405020304" pitchFamily="18" charset="0"/>
               </a:rPr>
-              <a:t>Error of handing (ISBN) :</a:t>
+              <a:t>Error of handling (ISBN) :</a:t>
             </a:r>
             <a:endParaRPr lang="fr-FR" sz="1800" dirty="0">
               <a:effectLst/>
@@ -1910,7 +1815,7 @@
                 <a:ea typeface="Calibri" panose="020F0502020204030204" pitchFamily="34" charset="0"/>
                 <a:cs typeface="Times New Roman" panose="02020603050405020304" pitchFamily="18" charset="0"/>
               </a:rPr>
-              <a:t>, we should keep the 3989 first categories (on 5010).</a:t>
+              <a:t>, we should keep the 3 989 first categories (on 5 010).</a:t>
             </a:r>
             <a:endParaRPr lang="fr-FR" sz="1800" dirty="0">
               <a:effectLst/>
@@ -2293,7 +2198,7 @@
                 <a:ea typeface="Calibri" panose="020F0502020204030204" pitchFamily="34" charset="0"/>
                 <a:cs typeface="Times New Roman" panose="02020603050405020304" pitchFamily="18" charset="0"/>
               </a:rPr>
-              <a:t>'...'</a:t>
+              <a:t>'...’</a:t>
             </a:r>
             <a:endParaRPr lang="fr-FR" sz="1800" dirty="0">
               <a:effectLst/>
@@ -3561,6 +3466,68 @@
               </a:spcAft>
             </a:pPr>
             <a:r>
+              <a:rPr lang="en-GB" sz="1800" b="1" i="1" dirty="0">
+                <a:effectLst/>
+                <a:latin typeface="Calibri" panose="020F0502020204030204" pitchFamily="34" charset="0"/>
+                <a:ea typeface="Calibri" panose="020F0502020204030204" pitchFamily="34" charset="0"/>
+                <a:cs typeface="Times New Roman" panose="02020603050405020304" pitchFamily="18" charset="0"/>
+              </a:rPr>
+              <a:t>Pb with </a:t>
+            </a:r>
+            <a:r>
+              <a:rPr lang="en-GB" sz="1800" b="1" i="1" dirty="0" err="1">
+                <a:effectLst/>
+                <a:latin typeface="Calibri" panose="020F0502020204030204" pitchFamily="34" charset="0"/>
+                <a:ea typeface="Calibri" panose="020F0502020204030204" pitchFamily="34" charset="0"/>
+                <a:cs typeface="Times New Roman" panose="02020603050405020304" pitchFamily="18" charset="0"/>
+              </a:rPr>
+              <a:t>GloVe</a:t>
+            </a:r>
+            <a:r>
+              <a:rPr lang="en-GB" sz="1800" b="1" i="1" dirty="0">
+                <a:effectLst/>
+                <a:latin typeface="Calibri" panose="020F0502020204030204" pitchFamily="34" charset="0"/>
+                <a:ea typeface="Calibri" panose="020F0502020204030204" pitchFamily="34" charset="0"/>
+                <a:cs typeface="Times New Roman" panose="02020603050405020304" pitchFamily="18" charset="0"/>
+              </a:rPr>
+              <a:t> and Word2vec : </a:t>
+            </a:r>
+            <a:r>
+              <a:rPr lang="en-GB" sz="1800" dirty="0">
+                <a:effectLst/>
+                <a:latin typeface="Calibri" panose="020F0502020204030204" pitchFamily="34" charset="0"/>
+                <a:ea typeface="Calibri" panose="020F0502020204030204" pitchFamily="34" charset="0"/>
+                <a:cs typeface="Times New Roman" panose="02020603050405020304" pitchFamily="18" charset="0"/>
+              </a:rPr>
+              <a:t>they only learn embeddings for words of the vocabulary</a:t>
+            </a:r>
+          </a:p>
+          <a:p>
+            <a:pPr algn="just">
+              <a:lnSpc>
+                <a:spcPct val="107000"/>
+              </a:lnSpc>
+              <a:spcAft>
+                <a:spcPts val="800"/>
+              </a:spcAft>
+            </a:pPr>
+            <a:endParaRPr lang="en-GB" sz="1800" dirty="0">
+              <a:effectLst/>
+              <a:latin typeface="Calibri" panose="020F0502020204030204" pitchFamily="34" charset="0"/>
+              <a:ea typeface="Calibri" panose="020F0502020204030204" pitchFamily="34" charset="0"/>
+              <a:cs typeface="Times New Roman" panose="02020603050405020304" pitchFamily="18" charset="0"/>
+            </a:endParaRPr>
+          </a:p>
+          <a:p>
+            <a:pPr algn="just">
+              <a:lnSpc>
+                <a:spcPct val="107000"/>
+              </a:lnSpc>
+              <a:spcAft>
+                <a:spcPts val="800"/>
+              </a:spcAft>
+            </a:pPr>
+            <a:r>
               <a:rPr lang="fr-FR" sz="1800" dirty="0" err="1">
                 <a:effectLst/>
                 <a:latin typeface="Calibri" panose="020F0502020204030204" pitchFamily="34" charset="0"/>
@@ -3826,7 +3793,43 @@
           <a:bodyPr/>
           <a:lstStyle/>
           <a:p>
-            <a:endParaRPr lang="fr-FR"/>
+            <a:r>
+              <a:rPr lang="fr-FR" dirty="0" err="1"/>
+              <a:t>Find</a:t>
+            </a:r>
+            <a:r>
+              <a:rPr lang="fr-FR" dirty="0"/>
+              <a:t> ratings of the book, </a:t>
+            </a:r>
+            <a:r>
+              <a:rPr lang="fr-FR" dirty="0" err="1"/>
+              <a:t>when</a:t>
+            </a:r>
+            <a:r>
+              <a:rPr lang="fr-FR" dirty="0"/>
+              <a:t> </a:t>
+            </a:r>
+            <a:r>
+              <a:rPr lang="fr-FR" dirty="0" err="1"/>
+              <a:t>book’s</a:t>
+            </a:r>
+            <a:r>
+              <a:rPr lang="fr-FR" dirty="0"/>
+              <a:t> </a:t>
+            </a:r>
+            <a:r>
+              <a:rPr lang="fr-FR" dirty="0" err="1"/>
+              <a:t>features</a:t>
+            </a:r>
+            <a:r>
+              <a:rPr lang="fr-FR" dirty="0"/>
+              <a:t> inputs are </a:t>
+            </a:r>
+            <a:r>
+              <a:rPr lang="fr-FR" dirty="0" err="1"/>
+              <a:t>given</a:t>
+            </a:r>
+            <a:endParaRPr lang="fr-FR" dirty="0"/>
           </a:p>
         </p:txBody>
       </p:sp>
@@ -4496,10 +4499,10 @@
                 <a:ea typeface="Calibri" panose="020F0502020204030204" pitchFamily="34" charset="0"/>
                 <a:cs typeface="Times New Roman" panose="02020603050405020304" pitchFamily="18" charset="0"/>
               </a:rPr>
-              <a:t>- </a:t>
-            </a:r>
-            <a:r>
-              <a:rPr lang="en-GB" sz="1800" i="0" u="none" dirty="0" err="1">
+              <a:t>-      </a:t>
+            </a:r>
+            <a:r>
+              <a:rPr lang="en-GB" sz="1800" b="1" i="0" u="none" dirty="0" err="1">
                 <a:effectLst/>
                 <a:latin typeface="Calibri" panose="020F0502020204030204" pitchFamily="34" charset="0"/>
                 <a:ea typeface="Calibri" panose="020F0502020204030204" pitchFamily="34" charset="0"/>
@@ -4514,7 +4517,7 @@
                 <a:ea typeface="Calibri" panose="020F0502020204030204" pitchFamily="34" charset="0"/>
                 <a:cs typeface="Times New Roman" panose="02020603050405020304" pitchFamily="18" charset="0"/>
               </a:rPr>
-              <a:t>(ratio='auto’) 	=&gt; large, balanced classes</a:t>
+              <a:t>(ratio='auto’) =&gt; large, balanced classes</a:t>
             </a:r>
           </a:p>
           <a:p>
@@ -4573,7 +4576,7 @@
               <a:t>oversampling with </a:t>
             </a:r>
             <a:r>
-              <a:rPr lang="en-GB" sz="1800" u="sng" dirty="0">
+              <a:rPr lang="en-GB" sz="1800" b="1" u="sng" dirty="0">
                 <a:effectLst/>
                 <a:latin typeface="Calibri" panose="020F0502020204030204" pitchFamily="34" charset="0"/>
                 <a:ea typeface="Calibri" panose="020F0502020204030204" pitchFamily="34" charset="0"/>
@@ -4637,7 +4640,7 @@
               <a:t> with </a:t>
             </a:r>
             <a:r>
-              <a:rPr lang="en-GB" sz="1800" u="sng" dirty="0" err="1">
+              <a:rPr lang="en-GB" sz="1800" b="1" u="sng" dirty="0" err="1">
                 <a:effectLst/>
                 <a:latin typeface="Calibri" panose="020F0502020204030204" pitchFamily="34" charset="0"/>
                 <a:ea typeface="Calibri" panose="020F0502020204030204" pitchFamily="34" charset="0"/>
@@ -4656,7 +4659,7 @@
             </a:r>
           </a:p>
           <a:p>
-            <a:pPr marL="0" marR="0" lvl="0" indent="0" algn="just" defTabSz="914400" rtl="0" eaLnBrk="1" fontAlgn="auto" latinLnBrk="0" hangingPunct="1">
+            <a:pPr marL="742950" marR="0" lvl="1" indent="-285750" algn="just" defTabSz="914400" rtl="0" eaLnBrk="1" fontAlgn="auto" latinLnBrk="0" hangingPunct="1">
               <a:lnSpc>
                 <a:spcPct val="107000"/>
               </a:lnSpc>
@@ -4669,7 +4672,7 @@
               <a:buClrTx/>
               <a:buSzTx/>
               <a:buFontTx/>
-              <a:buNone/>
+              <a:buChar char="-"/>
               <a:tabLst/>
               <a:defRPr/>
             </a:pPr>
@@ -4680,7 +4683,7 @@
                 <a:ea typeface="Calibri" panose="020F0502020204030204" pitchFamily="34" charset="0"/>
                 <a:cs typeface="Times New Roman" panose="02020603050405020304" pitchFamily="18" charset="0"/>
               </a:rPr>
-              <a:t>-      classes of about </a:t>
+              <a:t>classes of about </a:t>
             </a:r>
             <a:r>
               <a:rPr lang="en-GB" sz="1800" u="sng" dirty="0">
@@ -4970,6 +4973,26 @@
             </a:pPr>
             <a:endParaRPr lang="en-GB" dirty="0"/>
           </a:p>
+          <a:p>
+            <a:pPr marL="0" marR="0" lvl="0" indent="0" algn="just" defTabSz="914400" rtl="0" eaLnBrk="1" fontAlgn="auto" latinLnBrk="0" hangingPunct="1">
+              <a:lnSpc>
+                <a:spcPct val="107000"/>
+              </a:lnSpc>
+              <a:spcBef>
+                <a:spcPts val="0"/>
+              </a:spcBef>
+              <a:spcAft>
+                <a:spcPts val="0"/>
+              </a:spcAft>
+              <a:buClrTx/>
+              <a:buSzTx/>
+              <a:buFont typeface="Calibri" panose="020F0502020204030204" pitchFamily="34" charset="0"/>
+              <a:buNone/>
+              <a:tabLst/>
+              <a:defRPr/>
+            </a:pPr>
+            <a:endParaRPr lang="en-GB" dirty="0"/>
+          </a:p>
         </p:txBody>
       </p:sp>
       <p:sp>
@@ -5083,7 +5106,27 @@
                 <a:latin typeface="Calibri" panose="020F0502020204030204" pitchFamily="34" charset="0"/>
                 <a:cs typeface="Times New Roman" panose="02020603050405020304" pitchFamily="18" charset="0"/>
               </a:rPr>
-              <a:t>- More than one embedded features as input is not so clear. But maybe it is due to the fact that results are highly biased because of the unbalanced classes.</a:t>
+              <a:t>- More than </a:t>
+            </a:r>
+            <a:r>
+              <a:rPr lang="en-US" sz="2800" b="1" dirty="0">
+                <a:solidFill>
+                  <a:schemeClr val="tx1"/>
+                </a:solidFill>
+                <a:latin typeface="Calibri" panose="020F0502020204030204" pitchFamily="34" charset="0"/>
+                <a:cs typeface="Times New Roman" panose="02020603050405020304" pitchFamily="18" charset="0"/>
+              </a:rPr>
+              <a:t>one embedded features </a:t>
+            </a:r>
+            <a:r>
+              <a:rPr lang="en-US" sz="2800" dirty="0">
+                <a:solidFill>
+                  <a:schemeClr val="tx1"/>
+                </a:solidFill>
+                <a:latin typeface="Calibri" panose="020F0502020204030204" pitchFamily="34" charset="0"/>
+                <a:cs typeface="Times New Roman" panose="02020603050405020304" pitchFamily="18" charset="0"/>
+              </a:rPr>
+              <a:t>as input is not so clear. But maybe it is due to the fact that results are highly biased because of the unbalanced classes.</a:t>
             </a:r>
           </a:p>
           <a:p>
@@ -5103,7 +5146,7 @@
               <a:t>- In some cases </a:t>
             </a:r>
             <a:r>
-              <a:rPr lang="en-US" sz="2800" dirty="0" err="1">
+              <a:rPr lang="en-US" sz="2800" b="1" dirty="0" err="1">
                 <a:solidFill>
                   <a:schemeClr val="tx1"/>
                 </a:solidFill>
@@ -5137,7 +5180,27 @@
                 <a:latin typeface="Calibri" panose="020F0502020204030204" pitchFamily="34" charset="0"/>
                 <a:cs typeface="Times New Roman" panose="02020603050405020304" pitchFamily="18" charset="0"/>
               </a:rPr>
-              <a:t>- In case of balanced binary classes, the predictions are better distributed, and about of 45% of misclassified. It is very close to coin toss.</a:t>
+              <a:t>- In case of </a:t>
+            </a:r>
+            <a:r>
+              <a:rPr lang="en-US" sz="2800" b="1" dirty="0">
+                <a:solidFill>
+                  <a:schemeClr val="tx1"/>
+                </a:solidFill>
+                <a:latin typeface="Calibri" panose="020F0502020204030204" pitchFamily="34" charset="0"/>
+                <a:cs typeface="Times New Roman" panose="02020603050405020304" pitchFamily="18" charset="0"/>
+              </a:rPr>
+              <a:t>balanced binary classes</a:t>
+            </a:r>
+            <a:r>
+              <a:rPr lang="en-US" sz="2800" dirty="0">
+                <a:solidFill>
+                  <a:schemeClr val="tx1"/>
+                </a:solidFill>
+                <a:latin typeface="Calibri" panose="020F0502020204030204" pitchFamily="34" charset="0"/>
+                <a:cs typeface="Times New Roman" panose="02020603050405020304" pitchFamily="18" charset="0"/>
+              </a:rPr>
+              <a:t>, the predictions are better distributed, and about of 45% of misclassified. It is very close to coin toss.</a:t>
             </a:r>
           </a:p>
           <a:p>
@@ -6068,6 +6131,108 @@
 </p:notes>
 </file>
 
+<file path=ppt/notesSlides/notesSlide30.xml><?xml version="1.0" encoding="utf-8"?>
+<p:notes xmlns:a="http://schemas.openxmlformats.org/drawingml/2006/main" xmlns:r="http://schemas.openxmlformats.org/officeDocument/2006/relationships" xmlns:p="http://schemas.openxmlformats.org/presentationml/2006/main">
+  <p:cSld>
+    <p:spTree>
+      <p:nvGrpSpPr>
+        <p:cNvPr id="1" name=""/>
+        <p:cNvGrpSpPr/>
+        <p:nvPr/>
+      </p:nvGrpSpPr>
+      <p:grpSpPr>
+        <a:xfrm>
+          <a:off x="0" y="0"/>
+          <a:ext cx="0" cy="0"/>
+          <a:chOff x="0" y="0"/>
+          <a:chExt cx="0" cy="0"/>
+        </a:xfrm>
+      </p:grpSpPr>
+      <p:sp>
+        <p:nvSpPr>
+          <p:cNvPr id="2" name="Espace réservé de l'image des diapositives 1"/>
+          <p:cNvSpPr>
+            <a:spLocks noGrp="1" noRot="1" noChangeAspect="1"/>
+          </p:cNvSpPr>
+          <p:nvPr>
+            <p:ph type="sldImg"/>
+          </p:nvPr>
+        </p:nvSpPr>
+        <p:spPr/>
+      </p:sp>
+      <p:sp>
+        <p:nvSpPr>
+          <p:cNvPr id="3" name="Espace réservé des notes 2"/>
+          <p:cNvSpPr>
+            <a:spLocks noGrp="1"/>
+          </p:cNvSpPr>
+          <p:nvPr>
+            <p:ph type="body" idx="1"/>
+          </p:nvPr>
+        </p:nvSpPr>
+        <p:spPr/>
+        <p:txBody>
+          <a:bodyPr/>
+          <a:lstStyle/>
+          <a:p>
+            <a:pPr marL="0" marR="0" lvl="0" indent="0" algn="just" defTabSz="914400" rtl="0" eaLnBrk="1" fontAlgn="auto" latinLnBrk="0" hangingPunct="1">
+              <a:lnSpc>
+                <a:spcPct val="107000"/>
+              </a:lnSpc>
+              <a:spcBef>
+                <a:spcPts val="0"/>
+              </a:spcBef>
+              <a:spcAft>
+                <a:spcPts val="0"/>
+              </a:spcAft>
+              <a:buClrTx/>
+              <a:buSzTx/>
+              <a:buFont typeface="Calibri" panose="020F0502020204030204" pitchFamily="34" charset="0"/>
+              <a:buNone/>
+              <a:tabLst/>
+              <a:defRPr/>
+            </a:pPr>
+            <a:endParaRPr lang="en-GB" dirty="0"/>
+          </a:p>
+        </p:txBody>
+      </p:sp>
+      <p:sp>
+        <p:nvSpPr>
+          <p:cNvPr id="4" name="Espace réservé du numéro de diapositive 3"/>
+          <p:cNvSpPr>
+            <a:spLocks noGrp="1"/>
+          </p:cNvSpPr>
+          <p:nvPr>
+            <p:ph type="sldNum" sz="quarter" idx="5"/>
+          </p:nvPr>
+        </p:nvSpPr>
+        <p:spPr/>
+        <p:txBody>
+          <a:bodyPr/>
+          <a:lstStyle/>
+          <a:p>
+            <a:pPr rtl="0"/>
+            <a:fld id="{BCFAAAB6-A2C6-4A85-A3A1-98EFBA61C967}" type="slidenum">
+              <a:rPr lang="fr-FR" noProof="0" smtClean="0"/>
+              <a:t>30</a:t>
+            </a:fld>
+            <a:endParaRPr lang="fr-FR" noProof="0"/>
+          </a:p>
+        </p:txBody>
+      </p:sp>
+    </p:spTree>
+    <p:extLst>
+      <p:ext uri="{BB962C8B-B14F-4D97-AF65-F5344CB8AC3E}">
+        <p14:creationId xmlns:p14="http://schemas.microsoft.com/office/powerpoint/2010/main" val="3537772661"/>
+      </p:ext>
+    </p:extLst>
+  </p:cSld>
+  <p:clrMapOvr>
+    <a:masterClrMapping/>
+  </p:clrMapOvr>
+</p:notes>
+</file>
+
 <file path=ppt/notesSlides/notesSlide4.xml><?xml version="1.0" encoding="utf-8"?>
 <p:notes xmlns:a="http://schemas.openxmlformats.org/drawingml/2006/main" xmlns:r="http://schemas.openxmlformats.org/officeDocument/2006/relationships" xmlns:p="http://schemas.openxmlformats.org/presentationml/2006/main">
   <p:cSld>
@@ -6136,7 +6301,63 @@
                 <a:ea typeface="Calibri" panose="020F0502020204030204" pitchFamily="34" charset="0"/>
                 <a:cs typeface="Times New Roman" panose="02020603050405020304" pitchFamily="18" charset="0"/>
               </a:rPr>
-              <a:t>The difficulty is to found data base with users ratings provided.</a:t>
+              <a:t>The difficulty is to found data base with :</a:t>
+            </a:r>
+          </a:p>
+          <a:p>
+            <a:pPr marL="285750" marR="0" lvl="0" indent="-285750" algn="l" defTabSz="914400" rtl="0" eaLnBrk="1" fontAlgn="auto" latinLnBrk="0" hangingPunct="1">
+              <a:lnSpc>
+                <a:spcPct val="100000"/>
+              </a:lnSpc>
+              <a:spcBef>
+                <a:spcPts val="0"/>
+              </a:spcBef>
+              <a:spcAft>
+                <a:spcPts val="0"/>
+              </a:spcAft>
+              <a:buClrTx/>
+              <a:buSzTx/>
+              <a:buFontTx/>
+              <a:buChar char="-"/>
+              <a:tabLst/>
+              <a:defRPr/>
+            </a:pPr>
+            <a:r>
+              <a:rPr lang="en-GB" sz="1800" dirty="0">
+                <a:effectLst/>
+                <a:latin typeface="Calibri" panose="020F0502020204030204" pitchFamily="34" charset="0"/>
+                <a:ea typeface="Calibri" panose="020F0502020204030204" pitchFamily="34" charset="0"/>
+                <a:cs typeface="Times New Roman" panose="02020603050405020304" pitchFamily="18" charset="0"/>
+              </a:rPr>
+              <a:t>users information</a:t>
+            </a:r>
+          </a:p>
+          <a:p>
+            <a:pPr marL="285750" marR="0" lvl="0" indent="-285750" algn="l" defTabSz="914400" rtl="0" eaLnBrk="1" fontAlgn="auto" latinLnBrk="0" hangingPunct="1">
+              <a:lnSpc>
+                <a:spcPct val="100000"/>
+              </a:lnSpc>
+              <a:spcBef>
+                <a:spcPts val="0"/>
+              </a:spcBef>
+              <a:spcAft>
+                <a:spcPts val="0"/>
+              </a:spcAft>
+              <a:buClrTx/>
+              <a:buSzTx/>
+              <a:buFontTx/>
+              <a:buChar char="-"/>
+              <a:tabLst/>
+              <a:defRPr/>
+            </a:pPr>
+            <a:r>
+              <a:rPr lang="en-GB" sz="1800" dirty="0">
+                <a:effectLst/>
+                <a:latin typeface="Calibri" panose="020F0502020204030204" pitchFamily="34" charset="0"/>
+                <a:ea typeface="Calibri" panose="020F0502020204030204" pitchFamily="34" charset="0"/>
+                <a:cs typeface="Times New Roman" panose="02020603050405020304" pitchFamily="18" charset="0"/>
+              </a:rPr>
+              <a:t>ratings provided</a:t>
             </a:r>
             <a:endParaRPr lang="fr-FR" sz="1800" dirty="0">
               <a:effectLst/>
@@ -6325,13 +6546,281 @@
               </a:spcAft>
             </a:pPr>
             <a:r>
+              <a:rPr lang="en-GB" sz="1800" b="1" i="1" dirty="0">
+                <a:effectLst/>
+                <a:latin typeface="Calibri" panose="020F0502020204030204" pitchFamily="34" charset="0"/>
+                <a:ea typeface="Calibri" panose="020F0502020204030204" pitchFamily="34" charset="0"/>
+                <a:cs typeface="Times New Roman" panose="02020603050405020304" pitchFamily="18" charset="0"/>
+              </a:rPr>
+              <a:t>Book Crossing </a:t>
+            </a:r>
+            <a:endParaRPr lang="fr-FR" sz="1800" b="1" i="1" dirty="0">
+              <a:effectLst/>
+              <a:latin typeface="Calibri" panose="020F0502020204030204" pitchFamily="34" charset="0"/>
+              <a:ea typeface="Calibri" panose="020F0502020204030204" pitchFamily="34" charset="0"/>
+              <a:cs typeface="Times New Roman" panose="02020603050405020304" pitchFamily="18" charset="0"/>
+            </a:endParaRPr>
+          </a:p>
+          <a:p>
+            <a:pPr marL="342900" lvl="0" indent="-342900">
+              <a:lnSpc>
+                <a:spcPct val="107000"/>
+              </a:lnSpc>
+              <a:buFont typeface="Calibri" panose="020F0502020204030204" pitchFamily="34" charset="0"/>
+              <a:buChar char="-"/>
+            </a:pPr>
+            <a:r>
               <a:rPr lang="en-GB" sz="1800" dirty="0">
                 <a:effectLst/>
                 <a:latin typeface="Calibri" panose="020F0502020204030204" pitchFamily="34" charset="0"/>
                 <a:ea typeface="Calibri" panose="020F0502020204030204" pitchFamily="34" charset="0"/>
                 <a:cs typeface="Times New Roman" panose="02020603050405020304" pitchFamily="18" charset="0"/>
               </a:rPr>
-              <a:t>The following columns were already existing :</a:t>
+              <a:t>ISBN / Book-Title / Book-Author  / Year-Of-Publication / Publisher / Image-URL</a:t>
+            </a:r>
+          </a:p>
+          <a:p>
+            <a:pPr marL="342900" lvl="0" indent="-342900">
+              <a:lnSpc>
+                <a:spcPct val="107000"/>
+              </a:lnSpc>
+              <a:buFont typeface="Calibri" panose="020F0502020204030204" pitchFamily="34" charset="0"/>
+              <a:buChar char="-"/>
+            </a:pPr>
+            <a:r>
+              <a:rPr lang="fr-FR" sz="1800" dirty="0">
+                <a:effectLst/>
+                <a:latin typeface="Calibri" panose="020F0502020204030204" pitchFamily="34" charset="0"/>
+                <a:ea typeface="Calibri" panose="020F0502020204030204" pitchFamily="34" charset="0"/>
+                <a:cs typeface="Times New Roman" panose="02020603050405020304" pitchFamily="18" charset="0"/>
+              </a:rPr>
+              <a:t>ratings </a:t>
+            </a:r>
+            <a:r>
+              <a:rPr lang="en-GB" sz="1800" dirty="0">
+                <a:effectLst/>
+                <a:latin typeface="Calibri" panose="020F0502020204030204" pitchFamily="34" charset="0"/>
+                <a:ea typeface="Calibri" panose="020F0502020204030204" pitchFamily="34" charset="0"/>
+                <a:cs typeface="Times New Roman" panose="02020603050405020304" pitchFamily="18" charset="0"/>
+              </a:rPr>
+              <a:t> / </a:t>
+            </a:r>
+            <a:r>
+              <a:rPr lang="fr-FR" sz="1800" dirty="0" err="1">
+                <a:effectLst/>
+                <a:latin typeface="Calibri" panose="020F0502020204030204" pitchFamily="34" charset="0"/>
+                <a:ea typeface="Calibri" panose="020F0502020204030204" pitchFamily="34" charset="0"/>
+                <a:cs typeface="Times New Roman" panose="02020603050405020304" pitchFamily="18" charset="0"/>
+              </a:rPr>
+              <a:t>users</a:t>
+            </a:r>
+            <a:r>
+              <a:rPr lang="en-GB" sz="1800" dirty="0">
+                <a:effectLst/>
+                <a:latin typeface="Calibri" panose="020F0502020204030204" pitchFamily="34" charset="0"/>
+                <a:ea typeface="Calibri" panose="020F0502020204030204" pitchFamily="34" charset="0"/>
+                <a:cs typeface="Times New Roman" panose="02020603050405020304" pitchFamily="18" charset="0"/>
+              </a:rPr>
+              <a:t> (with age and location)</a:t>
+            </a:r>
+          </a:p>
+          <a:p>
+            <a:pPr marL="0" lvl="0" indent="0">
+              <a:lnSpc>
+                <a:spcPct val="107000"/>
+              </a:lnSpc>
+              <a:buFont typeface="Calibri" panose="020F0502020204030204" pitchFamily="34" charset="0"/>
+              <a:buNone/>
+            </a:pPr>
+            <a:endParaRPr lang="en-GB" sz="1800" dirty="0">
+              <a:effectLst/>
+              <a:latin typeface="Calibri" panose="020F0502020204030204" pitchFamily="34" charset="0"/>
+              <a:ea typeface="Calibri" panose="020F0502020204030204" pitchFamily="34" charset="0"/>
+              <a:cs typeface="Times New Roman" panose="02020603050405020304" pitchFamily="18" charset="0"/>
+            </a:endParaRPr>
+          </a:p>
+          <a:p>
+            <a:pPr>
+              <a:lnSpc>
+                <a:spcPct val="107000"/>
+              </a:lnSpc>
+              <a:spcAft>
+                <a:spcPts val="800"/>
+              </a:spcAft>
+            </a:pPr>
+            <a:r>
+              <a:rPr lang="fr-FR" sz="1800" b="1" i="1" dirty="0">
+                <a:effectLst/>
+                <a:latin typeface="Calibri" panose="020F0502020204030204" pitchFamily="34" charset="0"/>
+                <a:ea typeface="Calibri" panose="020F0502020204030204" pitchFamily="34" charset="0"/>
+                <a:cs typeface="Times New Roman" panose="02020603050405020304" pitchFamily="18" charset="0"/>
+              </a:rPr>
+              <a:t>10 000 Good Books</a:t>
+            </a:r>
+          </a:p>
+          <a:p>
+            <a:pPr marL="342900" lvl="0" indent="-342900">
+              <a:lnSpc>
+                <a:spcPct val="107000"/>
+              </a:lnSpc>
+              <a:buFont typeface="Calibri" panose="020F0502020204030204" pitchFamily="34" charset="0"/>
+              <a:buChar char="-"/>
+            </a:pPr>
+            <a:r>
+              <a:rPr lang="fr-FR" sz="1800" dirty="0" err="1">
+                <a:effectLst/>
+                <a:latin typeface="Calibri" panose="020F0502020204030204" pitchFamily="34" charset="0"/>
+                <a:ea typeface="Calibri" panose="020F0502020204030204" pitchFamily="34" charset="0"/>
+                <a:cs typeface="Times New Roman" panose="02020603050405020304" pitchFamily="18" charset="0"/>
+              </a:rPr>
+              <a:t>Book_id</a:t>
+            </a:r>
+            <a:r>
+              <a:rPr lang="fr-FR" sz="1800" dirty="0">
+                <a:effectLst/>
+                <a:latin typeface="Calibri" panose="020F0502020204030204" pitchFamily="34" charset="0"/>
+                <a:ea typeface="Calibri" panose="020F0502020204030204" pitchFamily="34" charset="0"/>
+                <a:cs typeface="Times New Roman" panose="02020603050405020304" pitchFamily="18" charset="0"/>
+              </a:rPr>
+              <a:t> / </a:t>
+            </a:r>
+            <a:r>
+              <a:rPr lang="fr-FR" sz="1800" dirty="0" err="1">
+                <a:effectLst/>
+                <a:latin typeface="Calibri" panose="020F0502020204030204" pitchFamily="34" charset="0"/>
+                <a:ea typeface="Calibri" panose="020F0502020204030204" pitchFamily="34" charset="0"/>
+                <a:cs typeface="Times New Roman" panose="02020603050405020304" pitchFamily="18" charset="0"/>
+              </a:rPr>
+              <a:t>Goodreads_book_id</a:t>
+            </a:r>
+            <a:r>
+              <a:rPr lang="fr-FR" sz="1800" dirty="0">
+                <a:effectLst/>
+                <a:latin typeface="Calibri" panose="020F0502020204030204" pitchFamily="34" charset="0"/>
+                <a:ea typeface="Calibri" panose="020F0502020204030204" pitchFamily="34" charset="0"/>
+                <a:cs typeface="Times New Roman" panose="02020603050405020304" pitchFamily="18" charset="0"/>
+              </a:rPr>
+              <a:t> / ISBN / </a:t>
+            </a:r>
+            <a:r>
+              <a:rPr lang="en-US" sz="1800" dirty="0">
+                <a:effectLst/>
+                <a:latin typeface="Calibri" panose="020F0502020204030204" pitchFamily="34" charset="0"/>
+                <a:ea typeface="Calibri" panose="020F0502020204030204" pitchFamily="34" charset="0"/>
+                <a:cs typeface="Times New Roman" panose="02020603050405020304" pitchFamily="18" charset="0"/>
+              </a:rPr>
+              <a:t>Authors </a:t>
+            </a:r>
+            <a:r>
+              <a:rPr lang="en-US" sz="1800" dirty="0">
+                <a:solidFill>
+                  <a:srgbClr val="FF0000"/>
+                </a:solidFill>
+                <a:effectLst/>
+                <a:latin typeface="Calibri" panose="020F0502020204030204" pitchFamily="34" charset="0"/>
+                <a:ea typeface="Calibri" panose="020F0502020204030204" pitchFamily="34" charset="0"/>
+                <a:cs typeface="Times New Roman" panose="02020603050405020304" pitchFamily="18" charset="0"/>
+              </a:rPr>
+              <a:t>/ </a:t>
+            </a:r>
+            <a:r>
+              <a:rPr lang="en-US" sz="1800" dirty="0" err="1">
+                <a:effectLst/>
+                <a:latin typeface="Calibri" panose="020F0502020204030204" pitchFamily="34" charset="0"/>
+                <a:ea typeface="Calibri" panose="020F0502020204030204" pitchFamily="34" charset="0"/>
+                <a:cs typeface="Times New Roman" panose="02020603050405020304" pitchFamily="18" charset="0"/>
+              </a:rPr>
+              <a:t>Original_publication_year</a:t>
+            </a:r>
+            <a:r>
+              <a:rPr lang="en-US" sz="1800" dirty="0">
+                <a:effectLst/>
+                <a:latin typeface="Calibri" panose="020F0502020204030204" pitchFamily="34" charset="0"/>
+                <a:ea typeface="Calibri" panose="020F0502020204030204" pitchFamily="34" charset="0"/>
+                <a:cs typeface="Times New Roman" panose="02020603050405020304" pitchFamily="18" charset="0"/>
+              </a:rPr>
+              <a:t> / </a:t>
+            </a:r>
+            <a:r>
+              <a:rPr lang="en-US" sz="1800" dirty="0" err="1">
+                <a:effectLst/>
+                <a:latin typeface="Calibri" panose="020F0502020204030204" pitchFamily="34" charset="0"/>
+                <a:ea typeface="Calibri" panose="020F0502020204030204" pitchFamily="34" charset="0"/>
+                <a:cs typeface="Times New Roman" panose="02020603050405020304" pitchFamily="18" charset="0"/>
+              </a:rPr>
+              <a:t>Original_title</a:t>
+            </a:r>
+            <a:r>
+              <a:rPr lang="en-US" sz="1800" dirty="0">
+                <a:effectLst/>
+                <a:latin typeface="Calibri" panose="020F0502020204030204" pitchFamily="34" charset="0"/>
+                <a:ea typeface="Calibri" panose="020F0502020204030204" pitchFamily="34" charset="0"/>
+                <a:cs typeface="Times New Roman" panose="02020603050405020304" pitchFamily="18" charset="0"/>
+              </a:rPr>
+              <a:t> / Title / </a:t>
+            </a:r>
+            <a:r>
+              <a:rPr lang="en-US" sz="1800" dirty="0" err="1">
+                <a:effectLst/>
+                <a:latin typeface="Calibri" panose="020F0502020204030204" pitchFamily="34" charset="0"/>
+                <a:ea typeface="Calibri" panose="020F0502020204030204" pitchFamily="34" charset="0"/>
+                <a:cs typeface="Times New Roman" panose="02020603050405020304" pitchFamily="18" charset="0"/>
+              </a:rPr>
+              <a:t>Langage_code</a:t>
+            </a:r>
+            <a:r>
+              <a:rPr lang="en-US" sz="1800" dirty="0">
+                <a:effectLst/>
+                <a:latin typeface="Calibri" panose="020F0502020204030204" pitchFamily="34" charset="0"/>
+                <a:ea typeface="Calibri" panose="020F0502020204030204" pitchFamily="34" charset="0"/>
+                <a:cs typeface="Times New Roman" panose="02020603050405020304" pitchFamily="18" charset="0"/>
+              </a:rPr>
+              <a:t> / </a:t>
+            </a:r>
+            <a:r>
+              <a:rPr lang="en-US" sz="1800" dirty="0" err="1">
+                <a:effectLst/>
+                <a:latin typeface="Calibri" panose="020F0502020204030204" pitchFamily="34" charset="0"/>
+                <a:ea typeface="Calibri" panose="020F0502020204030204" pitchFamily="34" charset="0"/>
+                <a:cs typeface="Times New Roman" panose="02020603050405020304" pitchFamily="18" charset="0"/>
+              </a:rPr>
+              <a:t>Average_rating</a:t>
+            </a:r>
+            <a:r>
+              <a:rPr lang="en-US" sz="1800" dirty="0">
+                <a:effectLst/>
+                <a:latin typeface="Calibri" panose="020F0502020204030204" pitchFamily="34" charset="0"/>
+                <a:ea typeface="Calibri" panose="020F0502020204030204" pitchFamily="34" charset="0"/>
+                <a:cs typeface="Times New Roman" panose="02020603050405020304" pitchFamily="18" charset="0"/>
+              </a:rPr>
+              <a:t> / </a:t>
+            </a:r>
+            <a:r>
+              <a:rPr lang="en-US" sz="1800" dirty="0" err="1">
+                <a:effectLst/>
+                <a:latin typeface="Calibri" panose="020F0502020204030204" pitchFamily="34" charset="0"/>
+                <a:ea typeface="Calibri" panose="020F0502020204030204" pitchFamily="34" charset="0"/>
+                <a:cs typeface="Times New Roman" panose="02020603050405020304" pitchFamily="18" charset="0"/>
+              </a:rPr>
+              <a:t>Ratings_count</a:t>
+            </a:r>
+            <a:r>
+              <a:rPr lang="en-US" sz="1800" dirty="0">
+                <a:effectLst/>
+                <a:latin typeface="Calibri" panose="020F0502020204030204" pitchFamily="34" charset="0"/>
+                <a:ea typeface="Calibri" panose="020F0502020204030204" pitchFamily="34" charset="0"/>
+                <a:cs typeface="Times New Roman" panose="02020603050405020304" pitchFamily="18" charset="0"/>
+              </a:rPr>
+              <a:t> / </a:t>
+            </a:r>
+            <a:r>
+              <a:rPr lang="en-US" sz="1800" dirty="0" err="1">
+                <a:effectLst/>
+                <a:latin typeface="Calibri" panose="020F0502020204030204" pitchFamily="34" charset="0"/>
+                <a:ea typeface="Calibri" panose="020F0502020204030204" pitchFamily="34" charset="0"/>
+                <a:cs typeface="Times New Roman" panose="02020603050405020304" pitchFamily="18" charset="0"/>
+              </a:rPr>
+              <a:t>Image_URL</a:t>
             </a:r>
             <a:endParaRPr lang="fr-FR" sz="1800" dirty="0">
               <a:effectLst/>
@@ -6341,54 +6830,57 @@
             </a:endParaRPr>
           </a:p>
           <a:p>
-            <a:pPr marL="342900" lvl="0" indent="-342900">
+            <a:pPr marL="0" lvl="0" indent="0">
               <a:lnSpc>
                 <a:spcPct val="107000"/>
               </a:lnSpc>
               <a:buFont typeface="Calibri" panose="020F0502020204030204" pitchFamily="34" charset="0"/>
-              <a:buChar char="-"/>
-            </a:pPr>
-            <a:r>
-              <a:rPr lang="en-GB" sz="1800" dirty="0">
+              <a:buNone/>
+            </a:pPr>
+            <a:r>
+              <a:rPr lang="fr-FR" sz="1800" dirty="0">
                 <a:effectLst/>
                 <a:latin typeface="Calibri" panose="020F0502020204030204" pitchFamily="34" charset="0"/>
                 <a:ea typeface="Calibri" panose="020F0502020204030204" pitchFamily="34" charset="0"/>
                 <a:cs typeface="Times New Roman" panose="02020603050405020304" pitchFamily="18" charset="0"/>
               </a:rPr>
-              <a:t>ISBN / Book-Title / Book-Author  / Year-Of-Publication / Publisher / Image-URL-S / Image-URL-M / Image-URL-L</a:t>
-            </a:r>
-          </a:p>
-          <a:p>
-            <a:pPr marL="0" lvl="0" indent="0">
-              <a:lnSpc>
-                <a:spcPct val="107000"/>
-              </a:lnSpc>
-              <a:buFont typeface="Calibri" panose="020F0502020204030204" pitchFamily="34" charset="0"/>
-              <a:buNone/>
-            </a:pPr>
-            <a:endParaRPr lang="en-GB" sz="1800" dirty="0">
-              <a:effectLst/>
-              <a:latin typeface="Calibri" panose="020F0502020204030204" pitchFamily="34" charset="0"/>
-              <a:ea typeface="Calibri" panose="020F0502020204030204" pitchFamily="34" charset="0"/>
-              <a:cs typeface="Times New Roman" panose="02020603050405020304" pitchFamily="18" charset="0"/>
-            </a:endParaRPr>
-          </a:p>
-          <a:p>
-            <a:pPr marL="0" lvl="0" indent="0">
-              <a:lnSpc>
-                <a:spcPct val="107000"/>
-              </a:lnSpc>
-              <a:buFont typeface="Calibri" panose="020F0502020204030204" pitchFamily="34" charset="0"/>
-              <a:buNone/>
-            </a:pPr>
-            <a:r>
-              <a:rPr lang="en-GB" sz="1800" dirty="0">
+              <a:t>-       </a:t>
+            </a:r>
+            <a:r>
+              <a:rPr lang="en-US" sz="1800" dirty="0">
                 <a:effectLst/>
                 <a:latin typeface="Calibri" panose="020F0502020204030204" pitchFamily="34" charset="0"/>
                 <a:ea typeface="Calibri" panose="020F0502020204030204" pitchFamily="34" charset="0"/>
                 <a:cs typeface="Times New Roman" panose="02020603050405020304" pitchFamily="18" charset="0"/>
               </a:rPr>
-              <a:t>All those information have been saved in a csv file.</a:t>
+              <a:t>ratings.csv / </a:t>
+            </a:r>
+            <a:r>
+              <a:rPr lang="en-US" sz="1800" b="0" dirty="0">
+                <a:effectLst/>
+                <a:latin typeface="Calibri" panose="020F0502020204030204" pitchFamily="34" charset="0"/>
+                <a:ea typeface="Calibri" panose="020F0502020204030204" pitchFamily="34" charset="0"/>
+                <a:cs typeface="Times New Roman" panose="02020603050405020304" pitchFamily="18" charset="0"/>
+              </a:rPr>
+              <a:t>book_tags.csv / </a:t>
+            </a:r>
+            <a:r>
+              <a:rPr lang="en-US" sz="1800" dirty="0" err="1">
+                <a:effectLst/>
+                <a:latin typeface="Calibri" panose="020F0502020204030204" pitchFamily="34" charset="0"/>
+                <a:ea typeface="Calibri" panose="020F0502020204030204" pitchFamily="34" charset="0"/>
+                <a:cs typeface="Times New Roman" panose="02020603050405020304" pitchFamily="18" charset="0"/>
+              </a:rPr>
+              <a:t>Wich</a:t>
+            </a:r>
+            <a:r>
+              <a:rPr lang="en-US" sz="1800" dirty="0">
+                <a:effectLst/>
+                <a:latin typeface="Calibri" panose="020F0502020204030204" pitchFamily="34" charset="0"/>
+                <a:ea typeface="Calibri" panose="020F0502020204030204" pitchFamily="34" charset="0"/>
+                <a:cs typeface="Times New Roman" panose="02020603050405020304" pitchFamily="18" charset="0"/>
+              </a:rPr>
+              <a:t> list</a:t>
             </a:r>
             <a:endParaRPr lang="fr-FR" sz="1800" dirty="0">
               <a:effectLst/>
@@ -6396,6 +6888,37 @@
               <a:ea typeface="Calibri" panose="020F0502020204030204" pitchFamily="34" charset="0"/>
               <a:cs typeface="Times New Roman" panose="02020603050405020304" pitchFamily="18" charset="0"/>
             </a:endParaRPr>
+          </a:p>
+          <a:p>
+            <a:endParaRPr lang="en-GB" dirty="0"/>
+          </a:p>
+          <a:p>
+            <a:pPr marL="0" marR="0" lvl="0" indent="0" algn="l" defTabSz="914400" rtl="0" eaLnBrk="1" fontAlgn="auto" latinLnBrk="0" hangingPunct="1">
+              <a:lnSpc>
+                <a:spcPct val="100000"/>
+              </a:lnSpc>
+              <a:spcBef>
+                <a:spcPts val="0"/>
+              </a:spcBef>
+              <a:spcAft>
+                <a:spcPts val="0"/>
+              </a:spcAft>
+              <a:buClrTx/>
+              <a:buSzTx/>
+              <a:buFontTx/>
+              <a:buNone/>
+              <a:tabLst/>
+              <a:defRPr/>
+            </a:pPr>
+            <a:r>
+              <a:rPr lang="en-GB" sz="1200" dirty="0">
+                <a:effectLst/>
+                <a:latin typeface="Calibri" panose="020F0502020204030204" pitchFamily="34" charset="0"/>
+                <a:ea typeface="Calibri" panose="020F0502020204030204" pitchFamily="34" charset="0"/>
+                <a:cs typeface="Times New Roman" panose="02020603050405020304" pitchFamily="18" charset="0"/>
+              </a:rPr>
+              <a:t>All those information have been saved in a csv file.</a:t>
+            </a:r>
           </a:p>
           <a:p>
             <a:endParaRPr lang="en-GB" dirty="0"/>
@@ -6612,21 +7135,6 @@
               </a:rPr>
               <a:t>is returned </a:t>
             </a:r>
-          </a:p>
-          <a:p>
-            <a:pPr marL="0" lvl="0" indent="0">
-              <a:lnSpc>
-                <a:spcPct val="107000"/>
-              </a:lnSpc>
-              <a:buFont typeface="Calibri" panose="020F0502020204030204" pitchFamily="34" charset="0"/>
-              <a:buNone/>
-            </a:pPr>
-            <a:endParaRPr lang="en-GB" sz="1800" dirty="0">
-              <a:effectLst/>
-              <a:latin typeface="Calibri" panose="020F0502020204030204" pitchFamily="34" charset="0"/>
-              <a:ea typeface="Calibri" panose="020F0502020204030204" pitchFamily="34" charset="0"/>
-              <a:cs typeface="Times New Roman" panose="02020603050405020304" pitchFamily="18" charset="0"/>
-            </a:endParaRPr>
           </a:p>
           <a:p>
             <a:pPr marL="342900" lvl="0" indent="-342900">
@@ -15456,14 +15964,9 @@
           <a:p>
             <a:pPr rtl="0"/>
             <a:r>
-              <a:rPr lang="fr-FR" sz="6000" dirty="0"/>
-              <a:t>Books’ </a:t>
-            </a:r>
-            <a:r>
-              <a:rPr lang="fr-FR" sz="6000" dirty="0" err="1"/>
-              <a:t>recommendation</a:t>
-            </a:r>
-            <a:endParaRPr lang="fr-FR" sz="6000" dirty="0"/>
+              <a:rPr lang="en-GB" sz="6000" dirty="0"/>
+              <a:t>Books’ recommendation</a:t>
+            </a:r>
           </a:p>
         </p:txBody>
       </p:sp>
@@ -15485,8 +15988,8 @@
         </p:nvSpPr>
         <p:spPr>
           <a:xfrm>
-            <a:off x="2487168" y="4142232"/>
-            <a:ext cx="7223760" cy="2374682"/>
+            <a:off x="2487168" y="3840480"/>
+            <a:ext cx="7223760" cy="2676434"/>
           </a:xfrm>
         </p:spPr>
         <p:txBody>
@@ -15502,26 +16005,13 @@
             </a:r>
           </a:p>
           <a:p>
-            <a:pPr rtl="0"/>
-            <a:endParaRPr lang="fr-FR" sz="2000" dirty="0"/>
-          </a:p>
-          <a:p>
-            <a:r>
-              <a:rPr lang="en-US" sz="2000" dirty="0"/>
+            <a:r>
+              <a:rPr lang="en-US" dirty="0"/>
               <a:t>Asif SIDDIQUE </a:t>
             </a:r>
-            <a:r>
-              <a:rPr lang="fr-FR" sz="2000" dirty="0"/>
-              <a:t>(</a:t>
-            </a:r>
-            <a:r>
-              <a:rPr lang="en-US" sz="2000" dirty="0"/>
-              <a:t>abandoned the project along the way</a:t>
-            </a:r>
-            <a:r>
-              <a:rPr lang="fr-FR" sz="2000" dirty="0"/>
-              <a:t>)</a:t>
-            </a:r>
+          </a:p>
+          <a:p>
+            <a:endParaRPr lang="fr-FR" dirty="0"/>
           </a:p>
           <a:p>
             <a:r>
@@ -15589,8 +16079,8 @@
         </p:nvSpPr>
         <p:spPr>
           <a:xfrm>
-            <a:off x="645304" y="1349827"/>
-            <a:ext cx="10501668" cy="4998603"/>
+            <a:off x="645304" y="1407883"/>
+            <a:ext cx="10501668" cy="5508173"/>
           </a:xfrm>
           <a:prstGeom prst="rect">
             <a:avLst/>
@@ -15837,7 +16327,9 @@
             <a:r>
               <a:rPr lang="en-US" sz="2000" b="1" dirty="0">
                 <a:solidFill>
-                  <a:srgbClr val="002060"/>
+                  <a:schemeClr val="accent1">
+                    <a:lumMod val="50000"/>
+                  </a:schemeClr>
                 </a:solidFill>
                 <a:latin typeface="Calibri" panose="020F0502020204030204" pitchFamily="34" charset="0"/>
                 <a:cs typeface="Times New Roman" panose="02020603050405020304" pitchFamily="18" charset="0"/>
@@ -15864,7 +16356,9 @@
             <a:r>
               <a:rPr lang="en-US" sz="2000" b="1" dirty="0">
                 <a:solidFill>
-                  <a:srgbClr val="002060"/>
+                  <a:schemeClr val="accent1">
+                    <a:lumMod val="50000"/>
+                  </a:schemeClr>
                 </a:solidFill>
                 <a:latin typeface="Calibri" panose="020F0502020204030204" pitchFamily="34" charset="0"/>
                 <a:cs typeface="Times New Roman" panose="02020603050405020304" pitchFamily="18" charset="0"/>
@@ -15891,7 +16385,9 @@
             <a:r>
               <a:rPr lang="en-US" sz="2000" b="1" dirty="0">
                 <a:solidFill>
-                  <a:srgbClr val="0070C0"/>
+                  <a:schemeClr val="accent1">
+                    <a:lumMod val="75000"/>
+                  </a:schemeClr>
                 </a:solidFill>
                 <a:latin typeface="Calibri" panose="020F0502020204030204" pitchFamily="34" charset="0"/>
                 <a:cs typeface="Times New Roman" panose="02020603050405020304" pitchFamily="18" charset="0"/>
@@ -15935,13 +16431,27 @@
             <a:r>
               <a:rPr lang="en-US" sz="2000" b="1" dirty="0">
                 <a:solidFill>
-                  <a:srgbClr val="00B0F0"/>
+                  <a:schemeClr val="accent1"/>
                 </a:solidFill>
                 <a:latin typeface="Calibri" panose="020F0502020204030204" pitchFamily="34" charset="0"/>
                 <a:cs typeface="Times New Roman" panose="02020603050405020304" pitchFamily="18" charset="0"/>
               </a:rPr>
               <a:t>title and author on Good Reads</a:t>
             </a:r>
+          </a:p>
+          <a:p>
+            <a:pPr marL="457200" lvl="2">
+              <a:spcBef>
+                <a:spcPts val="0"/>
+              </a:spcBef>
+            </a:pPr>
+            <a:endParaRPr lang="en-US" sz="2000" b="1" dirty="0">
+              <a:solidFill>
+                <a:srgbClr val="00B0F0"/>
+              </a:solidFill>
+              <a:latin typeface="Calibri" panose="020F0502020204030204" pitchFamily="34" charset="0"/>
+              <a:cs typeface="Times New Roman" panose="02020603050405020304" pitchFamily="18" charset="0"/>
+            </a:endParaRPr>
           </a:p>
           <a:p>
             <a:pPr marL="457200" lvl="2">
@@ -16349,7 +16859,7 @@
         </p:nvSpPr>
         <p:spPr>
           <a:xfrm>
-            <a:off x="456618" y="375208"/>
+            <a:off x="587246" y="1057379"/>
             <a:ext cx="10352203" cy="5502151"/>
           </a:xfrm>
           <a:prstGeom prst="rect">
@@ -19175,7 +19685,7 @@
                 <a:latin typeface="Calibri" panose="020F0502020204030204" pitchFamily="34" charset="0"/>
                 <a:cs typeface="Times New Roman" panose="02020603050405020304" pitchFamily="18" charset="0"/>
               </a:rPr>
-              <a:t>Keep only the first 1 953 categories… but only two books inside !</a:t>
+              <a:t>Keep only the first 1 953 categories (steeper decline)… but only two books inside !</a:t>
             </a:r>
           </a:p>
           <a:p>
@@ -21284,20 +21794,20 @@
         </p:nvSpPr>
         <p:spPr>
           <a:xfrm>
-            <a:off x="323636" y="298469"/>
-            <a:ext cx="3522650" cy="920731"/>
+            <a:off x="323635" y="298469"/>
+            <a:ext cx="4117735" cy="1036845"/>
           </a:xfrm>
         </p:spPr>
         <p:txBody>
           <a:bodyPr rtlCol="0">
-            <a:normAutofit fontScale="85000" lnSpcReduction="20000"/>
+            <a:normAutofit fontScale="85000" lnSpcReduction="10000"/>
           </a:bodyPr>
           <a:lstStyle/>
           <a:p>
             <a:pPr rtl="0"/>
             <a:r>
               <a:rPr lang="en-US" dirty="0"/>
-              <a:t>BERT embedding  </a:t>
+              <a:t>sentenceBERT embedding  </a:t>
             </a:r>
           </a:p>
           <a:p>
@@ -21356,7 +21866,7 @@
         </p:nvSpPr>
         <p:spPr>
           <a:xfrm>
-            <a:off x="0" y="406399"/>
+            <a:off x="0" y="1409083"/>
             <a:ext cx="6176410" cy="4421763"/>
           </a:xfrm>
           <a:prstGeom prst="rect">
@@ -21709,7 +22219,7 @@
         </p:nvSpPr>
         <p:spPr>
           <a:xfrm>
-            <a:off x="323636" y="298469"/>
+            <a:off x="280092" y="1198355"/>
             <a:ext cx="3522650" cy="920731"/>
           </a:xfrm>
         </p:spPr>
@@ -21751,7 +22261,7 @@
         </p:nvSpPr>
         <p:spPr>
           <a:xfrm>
-            <a:off x="6627933" y="1829726"/>
+            <a:off x="6468276" y="2628746"/>
             <a:ext cx="3522650" cy="920731"/>
           </a:xfrm>
           <a:prstGeom prst="rect">
@@ -21976,7 +22486,7 @@
         </p:nvSpPr>
         <p:spPr>
           <a:xfrm>
-            <a:off x="6176410" y="2305340"/>
+            <a:off x="6096000" y="3089112"/>
             <a:ext cx="6176410" cy="3604408"/>
           </a:xfrm>
           <a:prstGeom prst="rect">
@@ -22201,27 +22711,7 @@
                 <a:latin typeface="Calibri" panose="020F0502020204030204" pitchFamily="34" charset="0"/>
                 <a:cs typeface="Times New Roman" panose="02020603050405020304" pitchFamily="18" charset="0"/>
               </a:rPr>
-              <a:t>"</a:t>
-            </a:r>
-            <a:r>
-              <a:rPr lang="en-US" sz="2000" dirty="0" err="1">
-                <a:solidFill>
-                  <a:schemeClr val="tx1"/>
-                </a:solidFill>
-                <a:latin typeface="Calibri" panose="020F0502020204030204" pitchFamily="34" charset="0"/>
-                <a:cs typeface="Times New Roman" panose="02020603050405020304" pitchFamily="18" charset="0"/>
-              </a:rPr>
-              <a:t>book_title</a:t>
-            </a:r>
-            <a:r>
-              <a:rPr lang="en-US" sz="2000" dirty="0">
-                <a:solidFill>
-                  <a:schemeClr val="tx1"/>
-                </a:solidFill>
-                <a:latin typeface="Calibri" panose="020F0502020204030204" pitchFamily="34" charset="0"/>
-                <a:cs typeface="Times New Roman" panose="02020603050405020304" pitchFamily="18" charset="0"/>
-              </a:rPr>
-              <a:t>" </a:t>
+              <a:t>"book_title" </a:t>
             </a:r>
           </a:p>
           <a:p>
@@ -22240,27 +22730,7 @@
                 <a:latin typeface="Calibri" panose="020F0502020204030204" pitchFamily="34" charset="0"/>
                 <a:cs typeface="Times New Roman" panose="02020603050405020304" pitchFamily="18" charset="0"/>
               </a:rPr>
-              <a:t>"</a:t>
-            </a:r>
-            <a:r>
-              <a:rPr lang="en-US" sz="2000" dirty="0" err="1">
-                <a:solidFill>
-                  <a:schemeClr val="tx1"/>
-                </a:solidFill>
-                <a:latin typeface="Calibri" panose="020F0502020204030204" pitchFamily="34" charset="0"/>
-                <a:cs typeface="Times New Roman" panose="02020603050405020304" pitchFamily="18" charset="0"/>
-              </a:rPr>
-              <a:t>book_author</a:t>
-            </a:r>
-            <a:r>
-              <a:rPr lang="en-US" sz="2000" dirty="0">
-                <a:solidFill>
-                  <a:schemeClr val="tx1"/>
-                </a:solidFill>
-                <a:latin typeface="Calibri" panose="020F0502020204030204" pitchFamily="34" charset="0"/>
-                <a:cs typeface="Times New Roman" panose="02020603050405020304" pitchFamily="18" charset="0"/>
-              </a:rPr>
-              <a:t>"</a:t>
+              <a:t>"book_author"</a:t>
             </a:r>
           </a:p>
           <a:p>
@@ -22549,18 +23019,9 @@
           <a:p>
             <a:pPr rtl="0"/>
             <a:r>
-              <a:rPr lang="fr-FR" dirty="0" err="1"/>
-              <a:t>Book’s</a:t>
-            </a:r>
-            <a:r>
-              <a:rPr lang="fr-FR" dirty="0"/>
-              <a:t> </a:t>
-            </a:r>
-            <a:r>
-              <a:rPr lang="fr-FR" dirty="0" err="1"/>
-              <a:t>presentation</a:t>
-            </a:r>
-            <a:endParaRPr lang="fr-FR" dirty="0"/>
+              <a:rPr lang="en-GB" dirty="0"/>
+              <a:t>Book’s presentation</a:t>
+            </a:r>
           </a:p>
         </p:txBody>
       </p:sp>
@@ -22590,7 +23051,7 @@
               <a:rPr lang="fr-FR" smtClean="0"/>
               <a:t>2</a:t>
             </a:fld>
-            <a:endParaRPr lang="fr-FR"/>
+            <a:endParaRPr lang="fr-FR" dirty="0"/>
           </a:p>
         </p:txBody>
       </p:sp>
@@ -24431,7 +24892,7 @@
                 <a:latin typeface="Calibri" panose="020F0502020204030204" pitchFamily="34" charset="0"/>
                 <a:cs typeface="Times New Roman" panose="02020603050405020304" pitchFamily="18" charset="0"/>
               </a:rPr>
-              <a:t>10 unbalance classes</a:t>
+              <a:t>10 unbalanced classes</a:t>
             </a:r>
           </a:p>
           <a:p>
@@ -24755,8 +25216,8 @@
         </p:nvSpPr>
         <p:spPr>
           <a:xfrm>
-            <a:off x="693751" y="1880526"/>
-            <a:ext cx="9448800" cy="4563818"/>
+            <a:off x="693751" y="1358011"/>
+            <a:ext cx="9448800" cy="5499989"/>
           </a:xfrm>
           <a:prstGeom prst="rect">
             <a:avLst/>
@@ -25504,7 +25965,7 @@
                 <a:latin typeface="Calibri" panose="020F0502020204030204" pitchFamily="34" charset="0"/>
                 <a:cs typeface="Times New Roman" panose="02020603050405020304" pitchFamily="18" charset="0"/>
               </a:rPr>
-              <a:t>LogisticAT in unbalanced case outputs the </a:t>
+              <a:t>LogisticAT in unbalanced case predicts the </a:t>
             </a:r>
             <a:r>
               <a:rPr lang="en-US" sz="2000" u="sng" dirty="0">
@@ -26206,7 +26667,7 @@
         <p:spPr>
           <a:xfrm>
             <a:off x="2159652" y="3109225"/>
-            <a:ext cx="6891239" cy="3445093"/>
+            <a:ext cx="7710062" cy="3445093"/>
           </a:xfrm>
         </p:spPr>
         <p:txBody>
@@ -26323,7 +26784,7 @@
                 <a:ea typeface="Calibri" panose="020F0502020204030204" pitchFamily="34" charset="0"/>
                 <a:cs typeface="Times New Roman" panose="02020603050405020304" pitchFamily="18" charset="0"/>
               </a:rPr>
-              <a:t>To give my opinion</a:t>
+              <a:t>To give our opinion</a:t>
             </a:r>
             <a:endParaRPr lang="fr-FR" sz="2000" dirty="0">
               <a:effectLst/>
@@ -26350,7 +26811,7 @@
                 <a:ea typeface="Calibri" panose="020F0502020204030204" pitchFamily="34" charset="0"/>
                 <a:cs typeface="Times New Roman" panose="02020603050405020304" pitchFamily="18" charset="0"/>
               </a:rPr>
-              <a:t>To export my personal created library </a:t>
+              <a:t>To export our personal created library </a:t>
             </a:r>
             <a:endParaRPr lang="fr-FR" sz="2000" dirty="0">
               <a:effectLst/>
@@ -26514,6 +26975,66 @@
     <p:extLst>
       <p:ext uri="{BB962C8B-B14F-4D97-AF65-F5344CB8AC3E}">
         <p14:creationId xmlns:p14="http://schemas.microsoft.com/office/powerpoint/2010/main" val="1471384650"/>
+      </p:ext>
+    </p:extLst>
+  </p:cSld>
+  <p:clrMapOvr>
+    <a:masterClrMapping/>
+  </p:clrMapOvr>
+</p:sld>
+</file>
+
+<file path=ppt/slides/slide30.xml><?xml version="1.0" encoding="utf-8"?>
+<p:sld xmlns:a="http://schemas.openxmlformats.org/drawingml/2006/main" xmlns:r="http://schemas.openxmlformats.org/officeDocument/2006/relationships" xmlns:p="http://schemas.openxmlformats.org/presentationml/2006/main">
+  <p:cSld>
+    <p:spTree>
+      <p:nvGrpSpPr>
+        <p:cNvPr id="1" name=""/>
+        <p:cNvGrpSpPr/>
+        <p:nvPr/>
+      </p:nvGrpSpPr>
+      <p:grpSpPr>
+        <a:xfrm>
+          <a:off x="0" y="0"/>
+          <a:ext cx="0" cy="0"/>
+          <a:chOff x="0" y="0"/>
+          <a:chExt cx="0" cy="0"/>
+        </a:xfrm>
+      </p:grpSpPr>
+      <p:pic>
+        <p:nvPicPr>
+          <p:cNvPr id="3" name="Image 2">
+            <a:extLst>
+              <a:ext uri="{FF2B5EF4-FFF2-40B4-BE49-F238E27FC236}">
+                <a16:creationId xmlns:a16="http://schemas.microsoft.com/office/drawing/2014/main" id="{5F593AA9-6FBF-4064-AD7F-BB4A4AEB986B}"/>
+              </a:ext>
+            </a:extLst>
+          </p:cNvPr>
+          <p:cNvPicPr>
+            <a:picLocks noChangeAspect="1"/>
+          </p:cNvPicPr>
+          <p:nvPr/>
+        </p:nvPicPr>
+        <p:blipFill>
+          <a:blip r:embed="rId3"/>
+          <a:stretch>
+            <a:fillRect/>
+          </a:stretch>
+        </p:blipFill>
+        <p:spPr>
+          <a:xfrm>
+            <a:off x="3338286" y="1187946"/>
+            <a:ext cx="5134882" cy="5078143"/>
+          </a:xfrm>
+          <a:prstGeom prst="rect">
+            <a:avLst/>
+          </a:prstGeom>
+        </p:spPr>
+      </p:pic>
+    </p:spTree>
+    <p:extLst>
+      <p:ext uri="{BB962C8B-B14F-4D97-AF65-F5344CB8AC3E}">
+        <p14:creationId xmlns:p14="http://schemas.microsoft.com/office/powerpoint/2010/main" val="421741651"/>
       </p:ext>
     </p:extLst>
   </p:cSld>
@@ -26675,7 +27196,7 @@
                 <a:ea typeface="Calibri" panose="020F0502020204030204" pitchFamily="34" charset="0"/>
                 <a:cs typeface="Times New Roman" panose="02020603050405020304" pitchFamily="18" charset="0"/>
               </a:rPr>
-              <a:t>If we want : </a:t>
+              <a:t>There are some : </a:t>
             </a:r>
           </a:p>
           <a:p>
@@ -27488,27 +28009,8 @@
                 <a:cs typeface="Times New Roman" panose="02020603050405020304" pitchFamily="18" charset="0"/>
                 <a:sym typeface="Symbol" panose="05050102010706020507" pitchFamily="18" charset="2"/>
               </a:rPr>
-              <a:t>isbn_13 / </a:t>
-            </a:r>
-            <a:r>
-              <a:rPr lang="en-US" dirty="0" err="1">
-                <a:solidFill>
-                  <a:schemeClr val="tx1"/>
-                </a:solidFill>
-                <a:latin typeface="Calibri" panose="020F0502020204030204" pitchFamily="34" charset="0"/>
-                <a:cs typeface="Times New Roman" panose="02020603050405020304" pitchFamily="18" charset="0"/>
-                <a:sym typeface="Symbol" panose="05050102010706020507" pitchFamily="18" charset="2"/>
-              </a:rPr>
-              <a:t>OtherID</a:t>
-            </a:r>
-            <a:endParaRPr lang="en-US" dirty="0">
-              <a:solidFill>
-                <a:schemeClr val="tx1"/>
-              </a:solidFill>
-              <a:latin typeface="Calibri" panose="020F0502020204030204" pitchFamily="34" charset="0"/>
-              <a:cs typeface="Times New Roman" panose="02020603050405020304" pitchFamily="18" charset="0"/>
-              <a:sym typeface="Symbol" panose="05050102010706020507" pitchFamily="18" charset="2"/>
-            </a:endParaRPr>
+              <a:t>isbn_13 / OtherID</a:t>
+            </a:r>
           </a:p>
           <a:p>
             <a:pPr marL="800100" lvl="2" indent="-342900">
@@ -27539,7 +28041,7 @@
               <a:buChar char="v"/>
             </a:pPr>
             <a:r>
-              <a:rPr lang="en-US" dirty="0" err="1">
+              <a:rPr lang="en-US" dirty="0">
                 <a:solidFill>
                   <a:schemeClr val="tx1"/>
                 </a:solidFill>
@@ -27549,14 +28051,6 @@
               </a:rPr>
               <a:t>book_description</a:t>
             </a:r>
-            <a:endParaRPr lang="en-US" dirty="0">
-              <a:solidFill>
-                <a:schemeClr val="tx1"/>
-              </a:solidFill>
-              <a:latin typeface="Calibri" panose="020F0502020204030204" pitchFamily="34" charset="0"/>
-              <a:cs typeface="Times New Roman" panose="02020603050405020304" pitchFamily="18" charset="0"/>
-              <a:sym typeface="Symbol" panose="05050102010706020507" pitchFamily="18" charset="2"/>
-            </a:endParaRPr>
           </a:p>
           <a:p>
             <a:pPr marL="800100" lvl="2" indent="-342900">
@@ -27567,7 +28061,7 @@
               <a:buChar char="v"/>
             </a:pPr>
             <a:r>
-              <a:rPr lang="en-US" dirty="0" err="1">
+              <a:rPr lang="en-US" dirty="0">
                 <a:solidFill>
                   <a:schemeClr val="tx1"/>
                 </a:solidFill>
@@ -27577,14 +28071,6 @@
               </a:rPr>
               <a:t>book_language</a:t>
             </a:r>
-            <a:endParaRPr lang="en-US" dirty="0">
-              <a:solidFill>
-                <a:schemeClr val="tx1"/>
-              </a:solidFill>
-              <a:latin typeface="Calibri" panose="020F0502020204030204" pitchFamily="34" charset="0"/>
-              <a:cs typeface="Times New Roman" panose="02020603050405020304" pitchFamily="18" charset="0"/>
-              <a:sym typeface="Symbol" panose="05050102010706020507" pitchFamily="18" charset="2"/>
-            </a:endParaRPr>
           </a:p>
           <a:p>
             <a:pPr marL="800100" lvl="2" indent="-342900">
@@ -27595,7 +28081,7 @@
               <a:buChar char="v"/>
             </a:pPr>
             <a:r>
-              <a:rPr lang="en-US" dirty="0" err="1">
+              <a:rPr lang="en-US" dirty="0">
                 <a:solidFill>
                   <a:schemeClr val="tx1"/>
                 </a:solidFill>
@@ -27605,14 +28091,6 @@
               </a:rPr>
               <a:t>number_of_pages</a:t>
             </a:r>
-            <a:endParaRPr lang="en-US" dirty="0">
-              <a:solidFill>
-                <a:schemeClr val="tx1"/>
-              </a:solidFill>
-              <a:latin typeface="Calibri" panose="020F0502020204030204" pitchFamily="34" charset="0"/>
-              <a:cs typeface="Times New Roman" panose="02020603050405020304" pitchFamily="18" charset="0"/>
-              <a:sym typeface="Symbol" panose="05050102010706020507" pitchFamily="18" charset="2"/>
-            </a:endParaRPr>
           </a:p>
           <a:p>
             <a:pPr marL="800100" lvl="2" indent="-342900">
@@ -27623,7 +28101,7 @@
               <a:buChar char="v"/>
             </a:pPr>
             <a:r>
-              <a:rPr lang="en-US" dirty="0" err="1">
+              <a:rPr lang="en-US" dirty="0">
                 <a:solidFill>
                   <a:schemeClr val="tx1"/>
                 </a:solidFill>
@@ -27633,14 +28111,6 @@
               </a:rPr>
               <a:t>author_genres</a:t>
             </a:r>
-            <a:endParaRPr lang="en-US" dirty="0">
-              <a:solidFill>
-                <a:schemeClr val="tx1"/>
-              </a:solidFill>
-              <a:latin typeface="Calibri" panose="020F0502020204030204" pitchFamily="34" charset="0"/>
-              <a:cs typeface="Times New Roman" panose="02020603050405020304" pitchFamily="18" charset="0"/>
-              <a:sym typeface="Symbol" panose="05050102010706020507" pitchFamily="18" charset="2"/>
-            </a:endParaRPr>
           </a:p>
           <a:p>
             <a:pPr marL="800100" lvl="2" indent="-342900">
@@ -27651,7 +28121,7 @@
               <a:buChar char="v"/>
             </a:pPr>
             <a:r>
-              <a:rPr lang="en-US" dirty="0" err="1">
+              <a:rPr lang="en-US" dirty="0">
                 <a:solidFill>
                   <a:schemeClr val="tx1"/>
                 </a:solidFill>
@@ -27661,14 +28131,6 @@
               </a:rPr>
               <a:t>books_in_series</a:t>
             </a:r>
-            <a:endParaRPr lang="en-US" dirty="0">
-              <a:solidFill>
-                <a:schemeClr val="tx1"/>
-              </a:solidFill>
-              <a:latin typeface="Calibri" panose="020F0502020204030204" pitchFamily="34" charset="0"/>
-              <a:cs typeface="Times New Roman" panose="02020603050405020304" pitchFamily="18" charset="0"/>
-              <a:sym typeface="Symbol" panose="05050102010706020507" pitchFamily="18" charset="2"/>
-            </a:endParaRPr>
           </a:p>
           <a:p>
             <a:pPr marL="800100" lvl="2" indent="-342900">
@@ -27679,7 +28141,7 @@
               <a:buChar char="v"/>
             </a:pPr>
             <a:r>
-              <a:rPr lang="en-US" dirty="0" err="1">
+              <a:rPr lang="en-US" dirty="0">
                 <a:solidFill>
                   <a:schemeClr val="tx1"/>
                 </a:solidFill>
@@ -27689,14 +28151,6 @@
               </a:rPr>
               <a:t>average_rating</a:t>
             </a:r>
-            <a:endParaRPr lang="en-US" dirty="0">
-              <a:solidFill>
-                <a:schemeClr val="tx1"/>
-              </a:solidFill>
-              <a:latin typeface="Calibri" panose="020F0502020204030204" pitchFamily="34" charset="0"/>
-              <a:cs typeface="Times New Roman" panose="02020603050405020304" pitchFamily="18" charset="0"/>
-              <a:sym typeface="Symbol" panose="05050102010706020507" pitchFamily="18" charset="2"/>
-            </a:endParaRPr>
           </a:p>
           <a:p>
             <a:pPr marL="800100" lvl="2" indent="-342900">
@@ -30934,6 +31388,15 @@
 </file>
 
 <file path=customXml/item1.xml><?xml version="1.0" encoding="utf-8"?>
+<?mso-contentType ?>
+<FormTemplates xmlns="http://schemas.microsoft.com/sharepoint/v3/contenttype/forms">
+  <Display>DocumentLibraryForm</Display>
+  <Edit>DocumentLibraryForm</Edit>
+  <New>DocumentLibraryForm</New>
+</FormTemplates>
+</file>
+
+<file path=customXml/item2.xml><?xml version="1.0" encoding="utf-8"?>
 <ct:contentTypeSchema xmlns:ct="http://schemas.microsoft.com/office/2006/metadata/contentType" xmlns:ma="http://schemas.microsoft.com/office/2006/metadata/properties/metaAttributes" ct:_="" ma:_="" ma:contentTypeName="Document" ma:contentTypeID="0x01010079F111ED35F8CC479449609E8A0923A6" ma:contentTypeVersion="12" ma:contentTypeDescription="Create a new document." ma:contentTypeScope="" ma:versionID="426e97fa315356fffbdcd9876fe988c2">
   <xsd:schema xmlns:xsd="http://www.w3.org/2001/XMLSchema" xmlns:xs="http://www.w3.org/2001/XMLSchema" xmlns:p="http://schemas.microsoft.com/office/2006/metadata/properties" xmlns:ns2="71af3243-3dd4-4a8d-8c0d-dd76da1f02a5" xmlns:ns3="16c05727-aa75-4e4a-9b5f-8a80a1165891" targetNamespace="http://schemas.microsoft.com/office/2006/metadata/properties" ma:root="true" ma:fieldsID="14b8f0def80e6d70ce3def20c90759ae" ns2:_="" ns3:_="">
     <xsd:import namespace="71af3243-3dd4-4a8d-8c0d-dd76da1f02a5"/>
@@ -31154,15 +31617,6 @@
 </ct:contentTypeSchema>
 </file>
 
-<file path=customXml/item2.xml><?xml version="1.0" encoding="utf-8"?>
-<?mso-contentType ?>
-<FormTemplates xmlns="http://schemas.microsoft.com/sharepoint/v3/contenttype/forms">
-  <Display>DocumentLibraryForm</Display>
-  <Edit>DocumentLibraryForm</Edit>
-  <New>DocumentLibraryForm</New>
-</FormTemplates>
-</file>
-
 <file path=customXml/item3.xml><?xml version="1.0" encoding="utf-8"?>
 <p:properties xmlns:p="http://schemas.microsoft.com/office/2006/metadata/properties" xmlns:xsi="http://www.w3.org/2001/XMLSchema-instance" xmlns:pc="http://schemas.microsoft.com/office/infopath/2007/PartnerControls">
   <documentManagement>
@@ -31173,6 +31627,14 @@
 </file>
 
 <file path=customXml/itemProps1.xml><?xml version="1.0" encoding="utf-8"?>
+<ds:datastoreItem xmlns:ds="http://schemas.openxmlformats.org/officeDocument/2006/customXml" ds:itemID="{B927DC71-2909-427C-BDB0-3E47E2101517}">
+  <ds:schemaRefs>
+    <ds:schemaRef ds:uri="http://schemas.microsoft.com/sharepoint/v3/contenttype/forms"/>
+  </ds:schemaRefs>
+</ds:datastoreItem>
+</file>
+
+<file path=customXml/itemProps2.xml><?xml version="1.0" encoding="utf-8"?>
 <ds:datastoreItem xmlns:ds="http://schemas.openxmlformats.org/officeDocument/2006/customXml" ds:itemID="{1DF0A252-5923-47A2-A53A-F9BF72908919}">
   <ds:schemaRefs>
     <ds:schemaRef ds:uri="http://schemas.microsoft.com/office/2006/metadata/contentType"/>
@@ -31191,14 +31653,6 @@
 </ds:datastoreItem>
 </file>
 
-<file path=customXml/itemProps2.xml><?xml version="1.0" encoding="utf-8"?>
-<ds:datastoreItem xmlns:ds="http://schemas.openxmlformats.org/officeDocument/2006/customXml" ds:itemID="{B927DC71-2909-427C-BDB0-3E47E2101517}">
-  <ds:schemaRefs>
-    <ds:schemaRef ds:uri="http://schemas.microsoft.com/sharepoint/v3/contenttype/forms"/>
-  </ds:schemaRefs>
-</ds:datastoreItem>
-</file>
-
 <file path=customXml/itemProps3.xml><?xml version="1.0" encoding="utf-8"?>
 <ds:datastoreItem xmlns:ds="http://schemas.openxmlformats.org/officeDocument/2006/customXml" ds:itemID="{290D7697-8E53-4EA8-8CBB-9C19575257BF}">
   <ds:schemaRefs>
